--- a/assets/my_images/pubIcons.pptx
+++ b/assets/my_images/pubIcons.pptx
@@ -263,7 +263,7 @@
           <a:p>
             <a:fld id="{E22D5541-36EF-FB4A-8FBD-8682FD559E4B}" type="datetimeFigureOut">
               <a:rPr lang="en-TH" smtClean="0"/>
-              <a:t>19/2/2023 R</a:t>
+              <a:t>1/9/2023 R</a:t>
             </a:fld>
             <a:endParaRPr lang="en-TH"/>
           </a:p>
@@ -463,7 +463,7 @@
           <a:p>
             <a:fld id="{E22D5541-36EF-FB4A-8FBD-8682FD559E4B}" type="datetimeFigureOut">
               <a:rPr lang="en-TH" smtClean="0"/>
-              <a:t>19/2/2023 R</a:t>
+              <a:t>1/9/2023 R</a:t>
             </a:fld>
             <a:endParaRPr lang="en-TH"/>
           </a:p>
@@ -673,7 +673,7 @@
           <a:p>
             <a:fld id="{E22D5541-36EF-FB4A-8FBD-8682FD559E4B}" type="datetimeFigureOut">
               <a:rPr lang="en-TH" smtClean="0"/>
-              <a:t>19/2/2023 R</a:t>
+              <a:t>1/9/2023 R</a:t>
             </a:fld>
             <a:endParaRPr lang="en-TH"/>
           </a:p>
@@ -873,7 +873,7 @@
           <a:p>
             <a:fld id="{E22D5541-36EF-FB4A-8FBD-8682FD559E4B}" type="datetimeFigureOut">
               <a:rPr lang="en-TH" smtClean="0"/>
-              <a:t>19/2/2023 R</a:t>
+              <a:t>1/9/2023 R</a:t>
             </a:fld>
             <a:endParaRPr lang="en-TH"/>
           </a:p>
@@ -1149,7 +1149,7 @@
           <a:p>
             <a:fld id="{E22D5541-36EF-FB4A-8FBD-8682FD559E4B}" type="datetimeFigureOut">
               <a:rPr lang="en-TH" smtClean="0"/>
-              <a:t>19/2/2023 R</a:t>
+              <a:t>1/9/2023 R</a:t>
             </a:fld>
             <a:endParaRPr lang="en-TH"/>
           </a:p>
@@ -1417,7 +1417,7 @@
           <a:p>
             <a:fld id="{E22D5541-36EF-FB4A-8FBD-8682FD559E4B}" type="datetimeFigureOut">
               <a:rPr lang="en-TH" smtClean="0"/>
-              <a:t>19/2/2023 R</a:t>
+              <a:t>1/9/2023 R</a:t>
             </a:fld>
             <a:endParaRPr lang="en-TH"/>
           </a:p>
@@ -1832,7 +1832,7 @@
           <a:p>
             <a:fld id="{E22D5541-36EF-FB4A-8FBD-8682FD559E4B}" type="datetimeFigureOut">
               <a:rPr lang="en-TH" smtClean="0"/>
-              <a:t>19/2/2023 R</a:t>
+              <a:t>1/9/2023 R</a:t>
             </a:fld>
             <a:endParaRPr lang="en-TH"/>
           </a:p>
@@ -1974,7 +1974,7 @@
           <a:p>
             <a:fld id="{E22D5541-36EF-FB4A-8FBD-8682FD559E4B}" type="datetimeFigureOut">
               <a:rPr lang="en-TH" smtClean="0"/>
-              <a:t>19/2/2023 R</a:t>
+              <a:t>1/9/2023 R</a:t>
             </a:fld>
             <a:endParaRPr lang="en-TH"/>
           </a:p>
@@ -2087,7 +2087,7 @@
           <a:p>
             <a:fld id="{E22D5541-36EF-FB4A-8FBD-8682FD559E4B}" type="datetimeFigureOut">
               <a:rPr lang="en-TH" smtClean="0"/>
-              <a:t>19/2/2023 R</a:t>
+              <a:t>1/9/2023 R</a:t>
             </a:fld>
             <a:endParaRPr lang="en-TH"/>
           </a:p>
@@ -2400,7 +2400,7 @@
           <a:p>
             <a:fld id="{E22D5541-36EF-FB4A-8FBD-8682FD559E4B}" type="datetimeFigureOut">
               <a:rPr lang="en-TH" smtClean="0"/>
-              <a:t>19/2/2023 R</a:t>
+              <a:t>1/9/2023 R</a:t>
             </a:fld>
             <a:endParaRPr lang="en-TH"/>
           </a:p>
@@ -2689,7 +2689,7 @@
           <a:p>
             <a:fld id="{E22D5541-36EF-FB4A-8FBD-8682FD559E4B}" type="datetimeFigureOut">
               <a:rPr lang="en-TH" smtClean="0"/>
-              <a:t>19/2/2023 R</a:t>
+              <a:t>1/9/2023 R</a:t>
             </a:fld>
             <a:endParaRPr lang="en-TH"/>
           </a:p>
@@ -2932,7 +2932,7 @@
           <a:p>
             <a:fld id="{E22D5541-36EF-FB4A-8FBD-8682FD559E4B}" type="datetimeFigureOut">
               <a:rPr lang="en-TH" smtClean="0"/>
-              <a:t>19/2/2023 R</a:t>
+              <a:t>1/9/2023 R</a:t>
             </a:fld>
             <a:endParaRPr lang="en-TH"/>
           </a:p>
